--- a/그림.pptx
+++ b/그림.pptx
@@ -6,6 +6,10 @@
   </p:sldMasterIdLst>
   <p:sldIdLst>
     <p:sldId id="256" r:id="rId2"/>
+    <p:sldId id="257" r:id="rId3"/>
+    <p:sldId id="258" r:id="rId4"/>
+    <p:sldId id="259" r:id="rId5"/>
+    <p:sldId id="260" r:id="rId6"/>
   </p:sldIdLst>
   <p:sldSz cx="12192000" cy="6858000"/>
   <p:notesSz cx="6858000" cy="9144000"/>
@@ -104,6 +108,11 @@
       </a:defRPr>
     </a:lvl9pPr>
   </p:defaultTextStyle>
+  <p:extLst>
+    <p:ext uri="{EFAFB233-063F-42B5-8137-9DF3F51BA10A}">
+      <p15:sldGuideLst xmlns:p15="http://schemas.microsoft.com/office/powerpoint/2012/main"/>
+    </p:ext>
+  </p:extLst>
 </p:presentation>
 </file>
 
@@ -255,8 +264,8 @@
           <a:lstStyle/>
           <a:p>
             <a:fld id="{3E437A92-74B1-5F4E-8AA1-76F2DDF84687}" type="datetimeFigureOut">
-              <a:rPr lang="ko-Kore-KR" smtClean="0"/>
-              <a:t>2020. 2. 1.</a:t>
+              <a:rPr lang="en-US" altLang="ko-Kore-KR" smtClean="0"/>
+              <a:t>2020. 5. 2.</a:t>
             </a:fld>
             <a:endParaRPr lang="ko-Kore-KR"/>
           </a:p>
@@ -455,8 +464,8 @@
           <a:lstStyle/>
           <a:p>
             <a:fld id="{3E437A92-74B1-5F4E-8AA1-76F2DDF84687}" type="datetimeFigureOut">
-              <a:rPr lang="ko-Kore-KR" smtClean="0"/>
-              <a:t>2020. 2. 1.</a:t>
+              <a:rPr lang="en-US" altLang="ko-Kore-KR" smtClean="0"/>
+              <a:t>2020. 5. 2.</a:t>
             </a:fld>
             <a:endParaRPr lang="ko-Kore-KR"/>
           </a:p>
@@ -665,8 +674,8 @@
           <a:lstStyle/>
           <a:p>
             <a:fld id="{3E437A92-74B1-5F4E-8AA1-76F2DDF84687}" type="datetimeFigureOut">
-              <a:rPr lang="ko-Kore-KR" smtClean="0"/>
-              <a:t>2020. 2. 1.</a:t>
+              <a:rPr lang="en-US" altLang="ko-Kore-KR" smtClean="0"/>
+              <a:t>2020. 5. 2.</a:t>
             </a:fld>
             <a:endParaRPr lang="ko-Kore-KR"/>
           </a:p>
@@ -865,8 +874,8 @@
           <a:lstStyle/>
           <a:p>
             <a:fld id="{3E437A92-74B1-5F4E-8AA1-76F2DDF84687}" type="datetimeFigureOut">
-              <a:rPr lang="ko-Kore-KR" smtClean="0"/>
-              <a:t>2020. 2. 1.</a:t>
+              <a:rPr lang="en-US" altLang="ko-Kore-KR" smtClean="0"/>
+              <a:t>2020. 5. 2.</a:t>
             </a:fld>
             <a:endParaRPr lang="ko-Kore-KR"/>
           </a:p>
@@ -1141,8 +1150,8 @@
           <a:lstStyle/>
           <a:p>
             <a:fld id="{3E437A92-74B1-5F4E-8AA1-76F2DDF84687}" type="datetimeFigureOut">
-              <a:rPr lang="ko-Kore-KR" smtClean="0"/>
-              <a:t>2020. 2. 1.</a:t>
+              <a:rPr lang="en-US" altLang="ko-Kore-KR" smtClean="0"/>
+              <a:t>2020. 5. 2.</a:t>
             </a:fld>
             <a:endParaRPr lang="ko-Kore-KR"/>
           </a:p>
@@ -1409,8 +1418,8 @@
           <a:lstStyle/>
           <a:p>
             <a:fld id="{3E437A92-74B1-5F4E-8AA1-76F2DDF84687}" type="datetimeFigureOut">
-              <a:rPr lang="ko-Kore-KR" smtClean="0"/>
-              <a:t>2020. 2. 1.</a:t>
+              <a:rPr lang="en-US" altLang="ko-Kore-KR" smtClean="0"/>
+              <a:t>2020. 5. 2.</a:t>
             </a:fld>
             <a:endParaRPr lang="ko-Kore-KR"/>
           </a:p>
@@ -1824,8 +1833,8 @@
           <a:lstStyle/>
           <a:p>
             <a:fld id="{3E437A92-74B1-5F4E-8AA1-76F2DDF84687}" type="datetimeFigureOut">
-              <a:rPr lang="ko-Kore-KR" smtClean="0"/>
-              <a:t>2020. 2. 1.</a:t>
+              <a:rPr lang="en-US" altLang="ko-Kore-KR" smtClean="0"/>
+              <a:t>2020. 5. 2.</a:t>
             </a:fld>
             <a:endParaRPr lang="ko-Kore-KR"/>
           </a:p>
@@ -1966,8 +1975,8 @@
           <a:lstStyle/>
           <a:p>
             <a:fld id="{3E437A92-74B1-5F4E-8AA1-76F2DDF84687}" type="datetimeFigureOut">
-              <a:rPr lang="ko-Kore-KR" smtClean="0"/>
-              <a:t>2020. 2. 1.</a:t>
+              <a:rPr lang="en-US" altLang="ko-Kore-KR" smtClean="0"/>
+              <a:t>2020. 5. 2.</a:t>
             </a:fld>
             <a:endParaRPr lang="ko-Kore-KR"/>
           </a:p>
@@ -2079,8 +2088,8 @@
           <a:lstStyle/>
           <a:p>
             <a:fld id="{3E437A92-74B1-5F4E-8AA1-76F2DDF84687}" type="datetimeFigureOut">
-              <a:rPr lang="ko-Kore-KR" smtClean="0"/>
-              <a:t>2020. 2. 1.</a:t>
+              <a:rPr lang="en-US" altLang="ko-Kore-KR" smtClean="0"/>
+              <a:t>2020. 5. 2.</a:t>
             </a:fld>
             <a:endParaRPr lang="ko-Kore-KR"/>
           </a:p>
@@ -2392,8 +2401,8 @@
           <a:lstStyle/>
           <a:p>
             <a:fld id="{3E437A92-74B1-5F4E-8AA1-76F2DDF84687}" type="datetimeFigureOut">
-              <a:rPr lang="ko-Kore-KR" smtClean="0"/>
-              <a:t>2020. 2. 1.</a:t>
+              <a:rPr lang="en-US" altLang="ko-Kore-KR" smtClean="0"/>
+              <a:t>2020. 5. 2.</a:t>
             </a:fld>
             <a:endParaRPr lang="ko-Kore-KR"/>
           </a:p>
@@ -2681,8 +2690,8 @@
           <a:lstStyle/>
           <a:p>
             <a:fld id="{3E437A92-74B1-5F4E-8AA1-76F2DDF84687}" type="datetimeFigureOut">
-              <a:rPr lang="ko-Kore-KR" smtClean="0"/>
-              <a:t>2020. 2. 1.</a:t>
+              <a:rPr lang="en-US" altLang="ko-Kore-KR" smtClean="0"/>
+              <a:t>2020. 5. 2.</a:t>
             </a:fld>
             <a:endParaRPr lang="ko-Kore-KR"/>
           </a:p>
@@ -2924,8 +2933,8 @@
           </a:lstStyle>
           <a:p>
             <a:fld id="{3E437A92-74B1-5F4E-8AA1-76F2DDF84687}" type="datetimeFigureOut">
-              <a:rPr lang="ko-Kore-KR" smtClean="0"/>
-              <a:t>2020. 2. 1.</a:t>
+              <a:rPr lang="en-US" altLang="ko-Kore-KR" smtClean="0"/>
+              <a:t>2020. 5. 2.</a:t>
             </a:fld>
             <a:endParaRPr lang="ko-Kore-KR"/>
           </a:p>
@@ -3736,6 +3745,1012 @@
 </p:sld>
 </file>
 
+<file path=ppt/slides/slide2.xml><?xml version="1.0" encoding="utf-8"?>
+<p:sld xmlns:a="http://schemas.openxmlformats.org/drawingml/2006/main" xmlns:r="http://schemas.openxmlformats.org/officeDocument/2006/relationships" xmlns:p="http://schemas.openxmlformats.org/presentationml/2006/main">
+  <p:cSld>
+    <p:spTree>
+      <p:nvGrpSpPr>
+        <p:cNvPr id="1" name=""/>
+        <p:cNvGrpSpPr/>
+        <p:nvPr/>
+      </p:nvGrpSpPr>
+      <p:grpSpPr>
+        <a:xfrm>
+          <a:off x="0" y="0"/>
+          <a:ext cx="0" cy="0"/>
+          <a:chOff x="0" y="0"/>
+          <a:chExt cx="0" cy="0"/>
+        </a:xfrm>
+      </p:grpSpPr>
+      <p:sp>
+        <p:nvSpPr>
+          <p:cNvPr id="4" name="TextBox 3">
+            <a:extLst>
+              <a:ext uri="{FF2B5EF4-FFF2-40B4-BE49-F238E27FC236}">
+                <a16:creationId xmlns:a16="http://schemas.microsoft.com/office/drawing/2014/main" id="{6052F510-99F4-3E4D-BA37-46F2886ADFBD}"/>
+              </a:ext>
+            </a:extLst>
+          </p:cNvPr>
+          <p:cNvSpPr txBox="1"/>
+          <p:nvPr/>
+        </p:nvSpPr>
+        <p:spPr>
+          <a:xfrm>
+            <a:off x="3259015" y="1324708"/>
+            <a:ext cx="2206053" cy="2257413"/>
+          </a:xfrm>
+          <a:prstGeom prst="rect">
+            <a:avLst/>
+          </a:prstGeom>
+          <a:noFill/>
+        </p:spPr>
+        <p:txBody>
+          <a:bodyPr wrap="none" rtlCol="0">
+            <a:spAutoFit/>
+          </a:bodyPr>
+          <a:lstStyle/>
+          <a:p>
+            <a:pPr>
+              <a:lnSpc>
+                <a:spcPct val="130000"/>
+              </a:lnSpc>
+            </a:pPr>
+            <a:r>
+              <a:rPr kumimoji="1" lang="en-US" altLang="ko-Kore-KR" sz="2200" dirty="0"/>
+              <a:t>ID      f1      f2     f3</a:t>
+            </a:r>
+          </a:p>
+          <a:p>
+            <a:pPr>
+              <a:lnSpc>
+                <a:spcPct val="130000"/>
+              </a:lnSpc>
+            </a:pPr>
+            <a:r>
+              <a:rPr kumimoji="1" lang="en-US" altLang="ko-Kore-KR" sz="2200" dirty="0"/>
+              <a:t> 1</a:t>
+            </a:r>
+          </a:p>
+          <a:p>
+            <a:pPr>
+              <a:lnSpc>
+                <a:spcPct val="130000"/>
+              </a:lnSpc>
+            </a:pPr>
+            <a:r>
+              <a:rPr kumimoji="1" lang="en-US" altLang="ko-Kore-KR" sz="2200" dirty="0"/>
+              <a:t> 2</a:t>
+            </a:r>
+          </a:p>
+          <a:p>
+            <a:pPr>
+              <a:lnSpc>
+                <a:spcPct val="130000"/>
+              </a:lnSpc>
+            </a:pPr>
+            <a:r>
+              <a:rPr kumimoji="1" lang="en-US" altLang="ko-Kore-KR" sz="2200" dirty="0"/>
+              <a:t> 3</a:t>
+            </a:r>
+          </a:p>
+          <a:p>
+            <a:pPr>
+              <a:lnSpc>
+                <a:spcPct val="130000"/>
+              </a:lnSpc>
+            </a:pPr>
+            <a:r>
+              <a:rPr kumimoji="1" lang="en-US" altLang="ko-Kore-KR" sz="2200" dirty="0"/>
+              <a:t> ..</a:t>
+            </a:r>
+            <a:endParaRPr kumimoji="1" lang="ko-Kore-KR" altLang="en-US" sz="2200" dirty="0"/>
+          </a:p>
+        </p:txBody>
+      </p:sp>
+      <p:cxnSp>
+        <p:nvCxnSpPr>
+          <p:cNvPr id="6" name="직선 연결선[R] 5">
+            <a:extLst>
+              <a:ext uri="{FF2B5EF4-FFF2-40B4-BE49-F238E27FC236}">
+                <a16:creationId xmlns:a16="http://schemas.microsoft.com/office/drawing/2014/main" id="{5AB201F1-60BF-294B-9784-7A18F852BFEF}"/>
+              </a:ext>
+            </a:extLst>
+          </p:cNvPr>
+          <p:cNvCxnSpPr/>
+          <p:nvPr/>
+        </p:nvCxnSpPr>
+        <p:spPr>
+          <a:xfrm>
+            <a:off x="3259015" y="1852246"/>
+            <a:ext cx="2077813" cy="0"/>
+          </a:xfrm>
+          <a:prstGeom prst="line">
+            <a:avLst/>
+          </a:prstGeom>
+          <a:ln w="19050">
+            <a:solidFill>
+              <a:schemeClr val="tx1"/>
+            </a:solidFill>
+          </a:ln>
+        </p:spPr>
+        <p:style>
+          <a:lnRef idx="1">
+            <a:schemeClr val="accent1"/>
+          </a:lnRef>
+          <a:fillRef idx="0">
+            <a:schemeClr val="accent1"/>
+          </a:fillRef>
+          <a:effectRef idx="0">
+            <a:schemeClr val="accent1"/>
+          </a:effectRef>
+          <a:fontRef idx="minor">
+            <a:schemeClr val="tx1"/>
+          </a:fontRef>
+        </p:style>
+      </p:cxnSp>
+      <p:cxnSp>
+        <p:nvCxnSpPr>
+          <p:cNvPr id="7" name="직선 연결선[R] 6">
+            <a:extLst>
+              <a:ext uri="{FF2B5EF4-FFF2-40B4-BE49-F238E27FC236}">
+                <a16:creationId xmlns:a16="http://schemas.microsoft.com/office/drawing/2014/main" id="{BBFF4CD2-24C7-5948-AD76-B7BF102C6F29}"/>
+              </a:ext>
+            </a:extLst>
+          </p:cNvPr>
+          <p:cNvCxnSpPr>
+            <a:cxnSpLocks/>
+          </p:cNvCxnSpPr>
+          <p:nvPr/>
+        </p:nvCxnSpPr>
+        <p:spPr>
+          <a:xfrm>
+            <a:off x="3711453" y="1447433"/>
+            <a:ext cx="0" cy="2134688"/>
+          </a:xfrm>
+          <a:prstGeom prst="line">
+            <a:avLst/>
+          </a:prstGeom>
+          <a:ln w="19050">
+            <a:solidFill>
+              <a:schemeClr val="tx1"/>
+            </a:solidFill>
+          </a:ln>
+        </p:spPr>
+        <p:style>
+          <a:lnRef idx="1">
+            <a:schemeClr val="accent1"/>
+          </a:lnRef>
+          <a:fillRef idx="0">
+            <a:schemeClr val="accent1"/>
+          </a:fillRef>
+          <a:effectRef idx="0">
+            <a:schemeClr val="accent1"/>
+          </a:effectRef>
+          <a:fontRef idx="minor">
+            <a:schemeClr val="tx1"/>
+          </a:fontRef>
+        </p:style>
+      </p:cxnSp>
+      <p:sp>
+        <p:nvSpPr>
+          <p:cNvPr id="12" name="오른쪽 화살표[R] 11">
+            <a:extLst>
+              <a:ext uri="{FF2B5EF4-FFF2-40B4-BE49-F238E27FC236}">
+                <a16:creationId xmlns:a16="http://schemas.microsoft.com/office/drawing/2014/main" id="{9923BD58-B56D-5945-A636-71ABF6153915}"/>
+              </a:ext>
+            </a:extLst>
+          </p:cNvPr>
+          <p:cNvSpPr/>
+          <p:nvPr/>
+        </p:nvSpPr>
+        <p:spPr>
+          <a:xfrm>
+            <a:off x="6386513" y="2314575"/>
+            <a:ext cx="457200" cy="385763"/>
+          </a:xfrm>
+          <a:prstGeom prst="rightArrow">
+            <a:avLst/>
+          </a:prstGeom>
+        </p:spPr>
+        <p:style>
+          <a:lnRef idx="2">
+            <a:schemeClr val="accent1">
+              <a:shade val="50000"/>
+            </a:schemeClr>
+          </a:lnRef>
+          <a:fillRef idx="1">
+            <a:schemeClr val="accent1"/>
+          </a:fillRef>
+          <a:effectRef idx="0">
+            <a:schemeClr val="accent1"/>
+          </a:effectRef>
+          <a:fontRef idx="minor">
+            <a:schemeClr val="lt1"/>
+          </a:fontRef>
+        </p:style>
+        <p:txBody>
+          <a:bodyPr rtlCol="0" anchor="ctr"/>
+          <a:lstStyle/>
+          <a:p>
+            <a:pPr algn="ctr"/>
+            <a:endParaRPr kumimoji="1" lang="ko-Kore-KR" altLang="en-US"/>
+          </a:p>
+        </p:txBody>
+      </p:sp>
+      <p:sp>
+        <p:nvSpPr>
+          <p:cNvPr id="13" name="TextBox 12">
+            <a:extLst>
+              <a:ext uri="{FF2B5EF4-FFF2-40B4-BE49-F238E27FC236}">
+                <a16:creationId xmlns:a16="http://schemas.microsoft.com/office/drawing/2014/main" id="{C37CAFAA-212E-694C-95EB-3E6F04FED378}"/>
+              </a:ext>
+            </a:extLst>
+          </p:cNvPr>
+          <p:cNvSpPr txBox="1"/>
+          <p:nvPr/>
+        </p:nvSpPr>
+        <p:spPr>
+          <a:xfrm>
+            <a:off x="6986588" y="2330111"/>
+            <a:ext cx="1794081" cy="369332"/>
+          </a:xfrm>
+          <a:prstGeom prst="rect">
+            <a:avLst/>
+          </a:prstGeom>
+          <a:noFill/>
+        </p:spPr>
+        <p:txBody>
+          <a:bodyPr wrap="none" rtlCol="0">
+            <a:spAutoFit/>
+          </a:bodyPr>
+          <a:lstStyle/>
+          <a:p>
+            <a:r>
+              <a:rPr kumimoji="1" lang="ko-KR" altLang="en-US" dirty="0"/>
+              <a:t>공분산</a:t>
+            </a:r>
+            <a:r>
+              <a:rPr kumimoji="1" lang="en-US" altLang="ko-KR" dirty="0"/>
+              <a:t> </a:t>
+            </a:r>
+            <a:r>
+              <a:rPr kumimoji="1" lang="ko-KR" altLang="en-US" dirty="0"/>
+              <a:t>행렬</a:t>
+            </a:r>
+            <a:r>
+              <a:rPr kumimoji="1" lang="en-US" altLang="ko-KR" dirty="0"/>
+              <a:t>,</a:t>
+            </a:r>
+            <a:r>
+              <a:rPr kumimoji="1" lang="ko-KR" altLang="en-US" dirty="0"/>
+              <a:t> </a:t>
+            </a:r>
+            <a:r>
+              <a:rPr kumimoji="1" lang="en-US" altLang="ko-KR" dirty="0"/>
+              <a:t>C =</a:t>
+            </a:r>
+            <a:endParaRPr kumimoji="1" lang="ko-Kore-KR" altLang="en-US" dirty="0"/>
+          </a:p>
+        </p:txBody>
+      </p:sp>
+      <p:sp>
+        <p:nvSpPr>
+          <p:cNvPr id="14" name="양쪽 대괄호 13">
+            <a:extLst>
+              <a:ext uri="{FF2B5EF4-FFF2-40B4-BE49-F238E27FC236}">
+                <a16:creationId xmlns:a16="http://schemas.microsoft.com/office/drawing/2014/main" id="{5308DB77-D2A8-D44D-B162-38C3A9F0F051}"/>
+              </a:ext>
+            </a:extLst>
+          </p:cNvPr>
+          <p:cNvSpPr/>
+          <p:nvPr/>
+        </p:nvSpPr>
+        <p:spPr>
+          <a:xfrm>
+            <a:off x="9144002" y="1680794"/>
+            <a:ext cx="2557462" cy="2105392"/>
+          </a:xfrm>
+          <a:prstGeom prst="bracketPair">
+            <a:avLst/>
+          </a:prstGeom>
+          <a:ln w="12700">
+            <a:solidFill>
+              <a:schemeClr val="tx1"/>
+            </a:solidFill>
+          </a:ln>
+        </p:spPr>
+        <p:style>
+          <a:lnRef idx="1">
+            <a:schemeClr val="accent1"/>
+          </a:lnRef>
+          <a:fillRef idx="0">
+            <a:schemeClr val="accent1"/>
+          </a:fillRef>
+          <a:effectRef idx="0">
+            <a:schemeClr val="accent1"/>
+          </a:effectRef>
+          <a:fontRef idx="minor">
+            <a:schemeClr val="tx1"/>
+          </a:fontRef>
+        </p:style>
+        <p:txBody>
+          <a:bodyPr rtlCol="0" anchor="ctr"/>
+          <a:lstStyle/>
+          <a:p>
+            <a:pPr algn="ctr"/>
+            <a:endParaRPr kumimoji="1" lang="ko-Kore-KR" altLang="en-US"/>
+          </a:p>
+        </p:txBody>
+      </p:sp>
+      <p:sp>
+        <p:nvSpPr>
+          <p:cNvPr id="16" name="직사각형 15">
+            <a:extLst>
+              <a:ext uri="{FF2B5EF4-FFF2-40B4-BE49-F238E27FC236}">
+                <a16:creationId xmlns:a16="http://schemas.microsoft.com/office/drawing/2014/main" id="{F742D5CB-C08B-AE44-BBA7-9832F0B7A0F0}"/>
+              </a:ext>
+            </a:extLst>
+          </p:cNvPr>
+          <p:cNvSpPr/>
+          <p:nvPr/>
+        </p:nvSpPr>
+        <p:spPr>
+          <a:xfrm>
+            <a:off x="9496055" y="1311462"/>
+            <a:ext cx="372218" cy="369332"/>
+          </a:xfrm>
+          <a:prstGeom prst="rect">
+            <a:avLst/>
+          </a:prstGeom>
+        </p:spPr>
+        <p:txBody>
+          <a:bodyPr wrap="none">
+            <a:spAutoFit/>
+          </a:bodyPr>
+          <a:lstStyle/>
+          <a:p>
+            <a:r>
+              <a:rPr kumimoji="1" lang="en-US" altLang="ko-Kore-KR" dirty="0"/>
+              <a:t>f1</a:t>
+            </a:r>
+            <a:endParaRPr lang="ko-Kore-KR" altLang="en-US" dirty="0"/>
+          </a:p>
+        </p:txBody>
+      </p:sp>
+      <p:sp>
+        <p:nvSpPr>
+          <p:cNvPr id="17" name="직사각형 16">
+            <a:extLst>
+              <a:ext uri="{FF2B5EF4-FFF2-40B4-BE49-F238E27FC236}">
+                <a16:creationId xmlns:a16="http://schemas.microsoft.com/office/drawing/2014/main" id="{8DAAE31E-9CC3-8D4C-96D3-19731135678E}"/>
+              </a:ext>
+            </a:extLst>
+          </p:cNvPr>
+          <p:cNvSpPr/>
+          <p:nvPr/>
+        </p:nvSpPr>
+        <p:spPr>
+          <a:xfrm>
+            <a:off x="10220326" y="1311462"/>
+            <a:ext cx="372218" cy="369332"/>
+          </a:xfrm>
+          <a:prstGeom prst="rect">
+            <a:avLst/>
+          </a:prstGeom>
+        </p:spPr>
+        <p:txBody>
+          <a:bodyPr wrap="none">
+            <a:spAutoFit/>
+          </a:bodyPr>
+          <a:lstStyle/>
+          <a:p>
+            <a:r>
+              <a:rPr kumimoji="1" lang="en-US" altLang="ko-Kore-KR" dirty="0"/>
+              <a:t>f2</a:t>
+            </a:r>
+            <a:endParaRPr lang="ko-Kore-KR" altLang="en-US" dirty="0"/>
+          </a:p>
+        </p:txBody>
+      </p:sp>
+      <p:sp>
+        <p:nvSpPr>
+          <p:cNvPr id="18" name="직사각형 17">
+            <a:extLst>
+              <a:ext uri="{FF2B5EF4-FFF2-40B4-BE49-F238E27FC236}">
+                <a16:creationId xmlns:a16="http://schemas.microsoft.com/office/drawing/2014/main" id="{E0A3D2E6-B613-4E47-BC56-E0785BE0C019}"/>
+              </a:ext>
+            </a:extLst>
+          </p:cNvPr>
+          <p:cNvSpPr/>
+          <p:nvPr/>
+        </p:nvSpPr>
+        <p:spPr>
+          <a:xfrm>
+            <a:off x="10960895" y="1311462"/>
+            <a:ext cx="372218" cy="369332"/>
+          </a:xfrm>
+          <a:prstGeom prst="rect">
+            <a:avLst/>
+          </a:prstGeom>
+        </p:spPr>
+        <p:txBody>
+          <a:bodyPr wrap="none">
+            <a:spAutoFit/>
+          </a:bodyPr>
+          <a:lstStyle/>
+          <a:p>
+            <a:r>
+              <a:rPr kumimoji="1" lang="en-US" altLang="ko-Kore-KR" dirty="0"/>
+              <a:t>f3</a:t>
+            </a:r>
+            <a:endParaRPr lang="ko-Kore-KR" altLang="en-US" dirty="0"/>
+          </a:p>
+        </p:txBody>
+      </p:sp>
+      <p:sp>
+        <p:nvSpPr>
+          <p:cNvPr id="19" name="직사각형 18">
+            <a:extLst>
+              <a:ext uri="{FF2B5EF4-FFF2-40B4-BE49-F238E27FC236}">
+                <a16:creationId xmlns:a16="http://schemas.microsoft.com/office/drawing/2014/main" id="{AF16EBE8-377E-B342-9A87-AFCACBC8BC5D}"/>
+              </a:ext>
+            </a:extLst>
+          </p:cNvPr>
+          <p:cNvSpPr/>
+          <p:nvPr/>
+        </p:nvSpPr>
+        <p:spPr>
+          <a:xfrm>
+            <a:off x="8755486" y="1865460"/>
+            <a:ext cx="372218" cy="369332"/>
+          </a:xfrm>
+          <a:prstGeom prst="rect">
+            <a:avLst/>
+          </a:prstGeom>
+        </p:spPr>
+        <p:txBody>
+          <a:bodyPr wrap="none">
+            <a:spAutoFit/>
+          </a:bodyPr>
+          <a:lstStyle/>
+          <a:p>
+            <a:r>
+              <a:rPr kumimoji="1" lang="en-US" altLang="ko-Kore-KR" dirty="0"/>
+              <a:t>f1</a:t>
+            </a:r>
+            <a:endParaRPr lang="ko-Kore-KR" altLang="en-US" dirty="0"/>
+          </a:p>
+        </p:txBody>
+      </p:sp>
+      <p:sp>
+        <p:nvSpPr>
+          <p:cNvPr id="20" name="직사각형 19">
+            <a:extLst>
+              <a:ext uri="{FF2B5EF4-FFF2-40B4-BE49-F238E27FC236}">
+                <a16:creationId xmlns:a16="http://schemas.microsoft.com/office/drawing/2014/main" id="{C7973769-862B-AF4E-807F-4055A1452F0F}"/>
+              </a:ext>
+            </a:extLst>
+          </p:cNvPr>
+          <p:cNvSpPr/>
+          <p:nvPr/>
+        </p:nvSpPr>
+        <p:spPr>
+          <a:xfrm>
+            <a:off x="8763635" y="2527991"/>
+            <a:ext cx="372218" cy="369332"/>
+          </a:xfrm>
+          <a:prstGeom prst="rect">
+            <a:avLst/>
+          </a:prstGeom>
+        </p:spPr>
+        <p:txBody>
+          <a:bodyPr wrap="none">
+            <a:spAutoFit/>
+          </a:bodyPr>
+          <a:lstStyle/>
+          <a:p>
+            <a:r>
+              <a:rPr kumimoji="1" lang="en-US" altLang="ko-Kore-KR" dirty="0"/>
+              <a:t>f2</a:t>
+            </a:r>
+            <a:endParaRPr lang="ko-Kore-KR" altLang="en-US" dirty="0"/>
+          </a:p>
+        </p:txBody>
+      </p:sp>
+      <p:sp>
+        <p:nvSpPr>
+          <p:cNvPr id="21" name="직사각형 20">
+            <a:extLst>
+              <a:ext uri="{FF2B5EF4-FFF2-40B4-BE49-F238E27FC236}">
+                <a16:creationId xmlns:a16="http://schemas.microsoft.com/office/drawing/2014/main" id="{E1E07ABD-DA55-3F4D-8873-C3C47DF64482}"/>
+              </a:ext>
+            </a:extLst>
+          </p:cNvPr>
+          <p:cNvSpPr/>
+          <p:nvPr/>
+        </p:nvSpPr>
+        <p:spPr>
+          <a:xfrm>
+            <a:off x="8755486" y="3190522"/>
+            <a:ext cx="372218" cy="369332"/>
+          </a:xfrm>
+          <a:prstGeom prst="rect">
+            <a:avLst/>
+          </a:prstGeom>
+        </p:spPr>
+        <p:txBody>
+          <a:bodyPr wrap="none">
+            <a:spAutoFit/>
+          </a:bodyPr>
+          <a:lstStyle/>
+          <a:p>
+            <a:r>
+              <a:rPr kumimoji="1" lang="en-US" altLang="ko-Kore-KR" dirty="0"/>
+              <a:t>f3</a:t>
+            </a:r>
+            <a:endParaRPr lang="ko-Kore-KR" altLang="en-US" dirty="0"/>
+          </a:p>
+        </p:txBody>
+      </p:sp>
+      <p:sp>
+        <p:nvSpPr>
+          <p:cNvPr id="23" name="TextBox 22">
+            <a:extLst>
+              <a:ext uri="{FF2B5EF4-FFF2-40B4-BE49-F238E27FC236}">
+                <a16:creationId xmlns:a16="http://schemas.microsoft.com/office/drawing/2014/main" id="{B0BB992A-D0B6-B346-BC65-A4531FCF8360}"/>
+              </a:ext>
+            </a:extLst>
+          </p:cNvPr>
+          <p:cNvSpPr txBox="1"/>
+          <p:nvPr/>
+        </p:nvSpPr>
+        <p:spPr>
+          <a:xfrm>
+            <a:off x="9923681" y="2490129"/>
+            <a:ext cx="1160895" cy="369332"/>
+          </a:xfrm>
+          <a:prstGeom prst="rect">
+            <a:avLst/>
+          </a:prstGeom>
+          <a:noFill/>
+        </p:spPr>
+        <p:txBody>
+          <a:bodyPr wrap="none" rtlCol="0">
+            <a:spAutoFit/>
+          </a:bodyPr>
+          <a:lstStyle/>
+          <a:p>
+            <a:r>
+              <a:rPr kumimoji="1" lang="ko-KR" altLang="en-US" dirty="0"/>
+              <a:t>공분산</a:t>
+            </a:r>
+            <a:r>
+              <a:rPr kumimoji="1" lang="en-US" altLang="ko-KR" dirty="0"/>
+              <a:t> </a:t>
+            </a:r>
+            <a:r>
+              <a:rPr kumimoji="1" lang="ko-KR" altLang="en-US" dirty="0"/>
+              <a:t>값</a:t>
+            </a:r>
+            <a:endParaRPr kumimoji="1" lang="ko-Kore-KR" altLang="en-US" dirty="0"/>
+          </a:p>
+        </p:txBody>
+      </p:sp>
+    </p:spTree>
+    <p:extLst>
+      <p:ext uri="{BB962C8B-B14F-4D97-AF65-F5344CB8AC3E}">
+        <p14:creationId xmlns:p14="http://schemas.microsoft.com/office/powerpoint/2010/main" val="4009277192"/>
+      </p:ext>
+    </p:extLst>
+  </p:cSld>
+  <p:clrMapOvr>
+    <a:masterClrMapping/>
+  </p:clrMapOvr>
+</p:sld>
+</file>
+
+<file path=ppt/slides/slide3.xml><?xml version="1.0" encoding="utf-8"?>
+<p:sld xmlns:a="http://schemas.openxmlformats.org/drawingml/2006/main" xmlns:r="http://schemas.openxmlformats.org/officeDocument/2006/relationships" xmlns:p="http://schemas.openxmlformats.org/presentationml/2006/main">
+  <p:cSld>
+    <p:spTree>
+      <p:nvGrpSpPr>
+        <p:cNvPr id="1" name=""/>
+        <p:cNvGrpSpPr/>
+        <p:nvPr/>
+      </p:nvGrpSpPr>
+      <p:grpSpPr>
+        <a:xfrm>
+          <a:off x="0" y="0"/>
+          <a:ext cx="0" cy="0"/>
+          <a:chOff x="0" y="0"/>
+          <a:chExt cx="0" cy="0"/>
+        </a:xfrm>
+      </p:grpSpPr>
+      <p:pic>
+        <p:nvPicPr>
+          <p:cNvPr id="2" name="그림 1">
+            <a:extLst>
+              <a:ext uri="{FF2B5EF4-FFF2-40B4-BE49-F238E27FC236}">
+                <a16:creationId xmlns:a16="http://schemas.microsoft.com/office/drawing/2014/main" id="{BC6D1D9B-0A4B-F642-A8D0-7BCC0AEF4CDE}"/>
+              </a:ext>
+            </a:extLst>
+          </p:cNvPr>
+          <p:cNvPicPr>
+            <a:picLocks noChangeAspect="1"/>
+          </p:cNvPicPr>
+          <p:nvPr/>
+        </p:nvPicPr>
+        <p:blipFill>
+          <a:blip r:embed="rId2"/>
+          <a:stretch>
+            <a:fillRect/>
+          </a:stretch>
+        </p:blipFill>
+        <p:spPr>
+          <a:xfrm>
+            <a:off x="3956050" y="889000"/>
+            <a:ext cx="4279900" cy="5080000"/>
+          </a:xfrm>
+          <a:prstGeom prst="rect">
+            <a:avLst/>
+          </a:prstGeom>
+        </p:spPr>
+      </p:pic>
+    </p:spTree>
+    <p:extLst>
+      <p:ext uri="{BB962C8B-B14F-4D97-AF65-F5344CB8AC3E}">
+        <p14:creationId xmlns:p14="http://schemas.microsoft.com/office/powerpoint/2010/main" val="981214763"/>
+      </p:ext>
+    </p:extLst>
+  </p:cSld>
+  <p:clrMapOvr>
+    <a:masterClrMapping/>
+  </p:clrMapOvr>
+</p:sld>
+</file>
+
+<file path=ppt/slides/slide4.xml><?xml version="1.0" encoding="utf-8"?>
+<p:sld xmlns:a="http://schemas.openxmlformats.org/drawingml/2006/main" xmlns:r="http://schemas.openxmlformats.org/officeDocument/2006/relationships" xmlns:p="http://schemas.openxmlformats.org/presentationml/2006/main">
+  <p:cSld>
+    <p:spTree>
+      <p:nvGrpSpPr>
+        <p:cNvPr id="1" name=""/>
+        <p:cNvGrpSpPr/>
+        <p:nvPr/>
+      </p:nvGrpSpPr>
+      <p:grpSpPr>
+        <a:xfrm>
+          <a:off x="0" y="0"/>
+          <a:ext cx="0" cy="0"/>
+          <a:chOff x="0" y="0"/>
+          <a:chExt cx="0" cy="0"/>
+        </a:xfrm>
+      </p:grpSpPr>
+      <p:pic>
+        <p:nvPicPr>
+          <p:cNvPr id="4" name="그림 3">
+            <a:extLst>
+              <a:ext uri="{FF2B5EF4-FFF2-40B4-BE49-F238E27FC236}">
+                <a16:creationId xmlns:a16="http://schemas.microsoft.com/office/drawing/2014/main" id="{826EEBDD-49C6-9C42-99EB-AE729E6DAAE6}"/>
+              </a:ext>
+            </a:extLst>
+          </p:cNvPr>
+          <p:cNvPicPr>
+            <a:picLocks noChangeAspect="1"/>
+          </p:cNvPicPr>
+          <p:nvPr/>
+        </p:nvPicPr>
+        <p:blipFill>
+          <a:blip r:embed="rId2"/>
+          <a:stretch>
+            <a:fillRect/>
+          </a:stretch>
+        </p:blipFill>
+        <p:spPr>
+          <a:xfrm>
+            <a:off x="4332287" y="2081211"/>
+            <a:ext cx="2972766" cy="3476625"/>
+          </a:xfrm>
+          <a:prstGeom prst="rect">
+            <a:avLst/>
+          </a:prstGeom>
+        </p:spPr>
+      </p:pic>
+      <p:pic>
+        <p:nvPicPr>
+          <p:cNvPr id="5" name="그림 4">
+            <a:extLst>
+              <a:ext uri="{FF2B5EF4-FFF2-40B4-BE49-F238E27FC236}">
+                <a16:creationId xmlns:a16="http://schemas.microsoft.com/office/drawing/2014/main" id="{BD3A5EDE-BD54-D349-9B3E-F7BA1FEC69DE}"/>
+              </a:ext>
+            </a:extLst>
+          </p:cNvPr>
+          <p:cNvPicPr>
+            <a:picLocks noChangeAspect="1"/>
+          </p:cNvPicPr>
+          <p:nvPr/>
+        </p:nvPicPr>
+        <p:blipFill>
+          <a:blip r:embed="rId3"/>
+          <a:stretch>
+            <a:fillRect/>
+          </a:stretch>
+        </p:blipFill>
+        <p:spPr>
+          <a:xfrm>
+            <a:off x="6077433" y="2874169"/>
+            <a:ext cx="444500" cy="274637"/>
+          </a:xfrm>
+          <a:prstGeom prst="rect">
+            <a:avLst/>
+          </a:prstGeom>
+        </p:spPr>
+      </p:pic>
+      <p:pic>
+        <p:nvPicPr>
+          <p:cNvPr id="6" name="그림 5">
+            <a:extLst>
+              <a:ext uri="{FF2B5EF4-FFF2-40B4-BE49-F238E27FC236}">
+                <a16:creationId xmlns:a16="http://schemas.microsoft.com/office/drawing/2014/main" id="{0273697F-081E-2A42-94C0-17AB96462515}"/>
+              </a:ext>
+            </a:extLst>
+          </p:cNvPr>
+          <p:cNvPicPr>
+            <a:picLocks noChangeAspect="1"/>
+          </p:cNvPicPr>
+          <p:nvPr/>
+        </p:nvPicPr>
+        <p:blipFill>
+          <a:blip r:embed="rId3"/>
+          <a:stretch>
+            <a:fillRect/>
+          </a:stretch>
+        </p:blipFill>
+        <p:spPr>
+          <a:xfrm>
+            <a:off x="4401585" y="2882900"/>
+            <a:ext cx="444500" cy="274637"/>
+          </a:xfrm>
+          <a:prstGeom prst="rect">
+            <a:avLst/>
+          </a:prstGeom>
+        </p:spPr>
+      </p:pic>
+      <p:sp>
+        <p:nvSpPr>
+          <p:cNvPr id="7" name="TextBox 6">
+            <a:extLst>
+              <a:ext uri="{FF2B5EF4-FFF2-40B4-BE49-F238E27FC236}">
+                <a16:creationId xmlns:a16="http://schemas.microsoft.com/office/drawing/2014/main" id="{1704BCB0-E907-404A-A235-E407E99DD302}"/>
+              </a:ext>
+            </a:extLst>
+          </p:cNvPr>
+          <p:cNvSpPr txBox="1"/>
+          <p:nvPr/>
+        </p:nvSpPr>
+        <p:spPr>
+          <a:xfrm>
+            <a:off x="4453756" y="2796043"/>
+            <a:ext cx="354584" cy="461665"/>
+          </a:xfrm>
+          <a:prstGeom prst="rect">
+            <a:avLst/>
+          </a:prstGeom>
+          <a:noFill/>
+        </p:spPr>
+        <p:txBody>
+          <a:bodyPr wrap="none" rtlCol="0">
+            <a:spAutoFit/>
+          </a:bodyPr>
+          <a:lstStyle/>
+          <a:p>
+            <a:r>
+              <a:rPr kumimoji="1" lang="en-US" altLang="ko-Kore-KR" sz="2400" b="1" dirty="0"/>
+              <a:t>X</a:t>
+            </a:r>
+            <a:endParaRPr kumimoji="1" lang="ko-Kore-KR" altLang="en-US" sz="2400" b="1" dirty="0"/>
+          </a:p>
+        </p:txBody>
+      </p:sp>
+      <p:sp>
+        <p:nvSpPr>
+          <p:cNvPr id="9" name="TextBox 8">
+            <a:extLst>
+              <a:ext uri="{FF2B5EF4-FFF2-40B4-BE49-F238E27FC236}">
+                <a16:creationId xmlns:a16="http://schemas.microsoft.com/office/drawing/2014/main" id="{028FE311-3E56-7248-B1D3-C0E3A297EB6A}"/>
+              </a:ext>
+            </a:extLst>
+          </p:cNvPr>
+          <p:cNvSpPr txBox="1"/>
+          <p:nvPr/>
+        </p:nvSpPr>
+        <p:spPr>
+          <a:xfrm>
+            <a:off x="6112821" y="2780654"/>
+            <a:ext cx="378630" cy="461665"/>
+          </a:xfrm>
+          <a:prstGeom prst="rect">
+            <a:avLst/>
+          </a:prstGeom>
+          <a:noFill/>
+        </p:spPr>
+        <p:txBody>
+          <a:bodyPr wrap="none" rtlCol="0">
+            <a:spAutoFit/>
+          </a:bodyPr>
+          <a:lstStyle/>
+          <a:p>
+            <a:r>
+              <a:rPr kumimoji="1" lang="en-US" altLang="ko-Kore-KR" sz="2400" b="1" dirty="0"/>
+              <a:t>D</a:t>
+            </a:r>
+            <a:endParaRPr kumimoji="1" lang="ko-Kore-KR" altLang="en-US" sz="2400" b="1" dirty="0"/>
+          </a:p>
+        </p:txBody>
+      </p:sp>
+    </p:spTree>
+    <p:extLst>
+      <p:ext uri="{BB962C8B-B14F-4D97-AF65-F5344CB8AC3E}">
+        <p14:creationId xmlns:p14="http://schemas.microsoft.com/office/powerpoint/2010/main" val="1518695576"/>
+      </p:ext>
+    </p:extLst>
+  </p:cSld>
+  <p:clrMapOvr>
+    <a:masterClrMapping/>
+  </p:clrMapOvr>
+</p:sld>
+</file>
+
+<file path=ppt/slides/slide5.xml><?xml version="1.0" encoding="utf-8"?>
+<p:sld xmlns:a="http://schemas.openxmlformats.org/drawingml/2006/main" xmlns:r="http://schemas.openxmlformats.org/officeDocument/2006/relationships" xmlns:p="http://schemas.openxmlformats.org/presentationml/2006/main">
+  <p:cSld>
+    <p:spTree>
+      <p:nvGrpSpPr>
+        <p:cNvPr id="1" name=""/>
+        <p:cNvGrpSpPr/>
+        <p:nvPr/>
+      </p:nvGrpSpPr>
+      <p:grpSpPr>
+        <a:xfrm>
+          <a:off x="0" y="0"/>
+          <a:ext cx="0" cy="0"/>
+          <a:chOff x="0" y="0"/>
+          <a:chExt cx="0" cy="0"/>
+        </a:xfrm>
+      </p:grpSpPr>
+      <p:pic>
+        <p:nvPicPr>
+          <p:cNvPr id="4" name="그림 3">
+            <a:extLst>
+              <a:ext uri="{FF2B5EF4-FFF2-40B4-BE49-F238E27FC236}">
+                <a16:creationId xmlns:a16="http://schemas.microsoft.com/office/drawing/2014/main" id="{1972924F-6BA2-2D44-B858-9F87EF38EA66}"/>
+              </a:ext>
+            </a:extLst>
+          </p:cNvPr>
+          <p:cNvPicPr>
+            <a:picLocks noChangeAspect="1"/>
+          </p:cNvPicPr>
+          <p:nvPr/>
+        </p:nvPicPr>
+        <p:blipFill>
+          <a:blip r:embed="rId2"/>
+          <a:stretch>
+            <a:fillRect/>
+          </a:stretch>
+        </p:blipFill>
+        <p:spPr>
+          <a:xfrm>
+            <a:off x="2169257" y="1945543"/>
+            <a:ext cx="7454900" cy="2755900"/>
+          </a:xfrm>
+          <a:prstGeom prst="rect">
+            <a:avLst/>
+          </a:prstGeom>
+        </p:spPr>
+      </p:pic>
+      <p:pic>
+        <p:nvPicPr>
+          <p:cNvPr id="5" name="그림 4">
+            <a:extLst>
+              <a:ext uri="{FF2B5EF4-FFF2-40B4-BE49-F238E27FC236}">
+                <a16:creationId xmlns:a16="http://schemas.microsoft.com/office/drawing/2014/main" id="{F3A4E8FD-765E-1445-B302-2C783AA489A4}"/>
+              </a:ext>
+            </a:extLst>
+          </p:cNvPr>
+          <p:cNvPicPr>
+            <a:picLocks noChangeAspect="1"/>
+          </p:cNvPicPr>
+          <p:nvPr/>
+        </p:nvPicPr>
+        <p:blipFill>
+          <a:blip r:embed="rId3"/>
+          <a:stretch>
+            <a:fillRect/>
+          </a:stretch>
+        </p:blipFill>
+        <p:spPr>
+          <a:xfrm>
+            <a:off x="8068897" y="4243266"/>
+            <a:ext cx="1555260" cy="404121"/>
+          </a:xfrm>
+          <a:prstGeom prst="rect">
+            <a:avLst/>
+          </a:prstGeom>
+        </p:spPr>
+      </p:pic>
+      <p:pic>
+        <p:nvPicPr>
+          <p:cNvPr id="6" name="그림 5">
+            <a:extLst>
+              <a:ext uri="{FF2B5EF4-FFF2-40B4-BE49-F238E27FC236}">
+                <a16:creationId xmlns:a16="http://schemas.microsoft.com/office/drawing/2014/main" id="{5005044E-2586-E64B-9DDA-D9A83A550C69}"/>
+              </a:ext>
+            </a:extLst>
+          </p:cNvPr>
+          <p:cNvPicPr>
+            <a:picLocks noChangeAspect="1"/>
+          </p:cNvPicPr>
+          <p:nvPr/>
+        </p:nvPicPr>
+        <p:blipFill>
+          <a:blip r:embed="rId3"/>
+          <a:stretch>
+            <a:fillRect/>
+          </a:stretch>
+        </p:blipFill>
+        <p:spPr>
+          <a:xfrm>
+            <a:off x="5673969" y="1743482"/>
+            <a:ext cx="4032250" cy="404121"/>
+          </a:xfrm>
+          <a:prstGeom prst="rect">
+            <a:avLst/>
+          </a:prstGeom>
+        </p:spPr>
+      </p:pic>
+      <p:pic>
+        <p:nvPicPr>
+          <p:cNvPr id="7" name="그림 6">
+            <a:extLst>
+              <a:ext uri="{FF2B5EF4-FFF2-40B4-BE49-F238E27FC236}">
+                <a16:creationId xmlns:a16="http://schemas.microsoft.com/office/drawing/2014/main" id="{230083DF-27D6-0046-A4E4-EF7CC0F77DE7}"/>
+              </a:ext>
+            </a:extLst>
+          </p:cNvPr>
+          <p:cNvPicPr>
+            <a:picLocks noChangeAspect="1"/>
+          </p:cNvPicPr>
+          <p:nvPr/>
+        </p:nvPicPr>
+        <p:blipFill>
+          <a:blip r:embed="rId3"/>
+          <a:stretch>
+            <a:fillRect/>
+          </a:stretch>
+        </p:blipFill>
+        <p:spPr>
+          <a:xfrm flipV="1">
+            <a:off x="1023937" y="1945542"/>
+            <a:ext cx="1326552" cy="775921"/>
+          </a:xfrm>
+          <a:prstGeom prst="rect">
+            <a:avLst/>
+          </a:prstGeom>
+        </p:spPr>
+      </p:pic>
+    </p:spTree>
+    <p:extLst>
+      <p:ext uri="{BB962C8B-B14F-4D97-AF65-F5344CB8AC3E}">
+        <p14:creationId xmlns:p14="http://schemas.microsoft.com/office/powerpoint/2010/main" val="3553577173"/>
+      </p:ext>
+    </p:extLst>
+  </p:cSld>
+  <p:clrMapOvr>
+    <a:masterClrMapping/>
+  </p:clrMapOvr>
+</p:sld>
+</file>
+
 <file path=ppt/theme/theme1.xml><?xml version="1.0" encoding="utf-8"?>
 <a:theme xmlns:a="http://schemas.openxmlformats.org/drawingml/2006/main" name="Office 테마">
   <a:themeElements>
